--- a/基础PPT/JavaSE进阶第三版/第12章：Java注解简介.pptx
+++ b/基础PPT/JavaSE进阶第三版/第12章：Java注解简介.pptx
@@ -7841,7 +7841,26 @@
                 <a:ea typeface="宋体" panose="02010600030101010101" pitchFamily="2" charset="-122"/>
                 <a:cs typeface="宋体" panose="02010600030101010101" pitchFamily="2" charset="-122"/>
               </a:rPr>
-              <a:t>Java 注解（Annotation）又称 Java 标注，是 JDK5.0 引入的一种注释机制。</a:t>
+              <a:t>Java 注解（Annotation）又称 Java 标注，是 JDK5.0 引入的一种</a:t>
+            </a:r>
+            <a:r>
+              <a:rPr lang="zh-CN" altLang="en-US" sz="1600" b="1">
+                <a:solidFill>
+                  <a:srgbClr val="FF0000"/>
+                </a:solidFill>
+                <a:latin typeface="宋体" panose="02010600030101010101" pitchFamily="2" charset="-122"/>
+                <a:ea typeface="宋体" panose="02010600030101010101" pitchFamily="2" charset="-122"/>
+                <a:cs typeface="宋体" panose="02010600030101010101" pitchFamily="2" charset="-122"/>
+              </a:rPr>
+              <a:t>注释机制</a:t>
+            </a:r>
+            <a:r>
+              <a:rPr lang="zh-CN" altLang="en-US" sz="1600">
+                <a:latin typeface="宋体" panose="02010600030101010101" pitchFamily="2" charset="-122"/>
+                <a:ea typeface="宋体" panose="02010600030101010101" pitchFamily="2" charset="-122"/>
+                <a:cs typeface="宋体" panose="02010600030101010101" pitchFamily="2" charset="-122"/>
+              </a:rPr>
+              <a:t>。</a:t>
             </a:r>
             <a:endParaRPr lang="zh-CN" altLang="en-US" sz="1600">
               <a:latin typeface="宋体" panose="02010600030101010101" pitchFamily="2" charset="-122"/>
@@ -7910,7 +7929,7 @@
           </a:p>
           <a:p>
             <a:r>
-              <a:rPr lang="zh-CN" altLang="en-US" sz="1600">
+              <a:rPr lang="zh-CN" altLang="en-US" sz="1600" b="1">
                 <a:solidFill>
                   <a:srgbClr val="FF0000"/>
                 </a:solidFill>
@@ -7996,7 +8015,7 @@
               <a:t>作用在其他注解的注解(或者说 </a:t>
             </a:r>
             <a:r>
-              <a:rPr lang="zh-CN" altLang="en-US" sz="1600" dirty="0" smtClean="0">
+              <a:rPr lang="zh-CN" altLang="en-US" sz="1600" b="1" dirty="0" smtClean="0">
                 <a:solidFill>
                   <a:srgbClr val="FF0000"/>
                 </a:solidFill>
@@ -8007,7 +8026,7 @@
               <a:t>在注解上的注解类型、</a:t>
             </a:r>
             <a:r>
-              <a:rPr lang="zh-CN" altLang="en-US" sz="1600">
+              <a:rPr lang="zh-CN" altLang="en-US" sz="1600" b="1">
                 <a:solidFill>
                   <a:srgbClr val="FF0000"/>
                 </a:solidFill>
@@ -8981,17 +9000,17 @@
           <a:p>
             <a:pPr algn="l"/>
             <a:r>
-              <a:rPr lang="zh-CN" altLang="en-US" sz="1200">
-                <a:solidFill>
-                  <a:schemeClr val="tx1"/>
+              <a:rPr lang="zh-CN" altLang="en-US" sz="1200" b="1">
+                <a:solidFill>
+                  <a:srgbClr val="FF0000"/>
                 </a:solidFill>
                 <a:sym typeface="+mn-ea"/>
               </a:rPr>
               <a:t>public @interface ReadConfig {</a:t>
             </a:r>
-            <a:endParaRPr lang="zh-CN" altLang="en-US" sz="1200">
+            <a:endParaRPr lang="zh-CN" altLang="en-US" sz="1200" b="1">
               <a:solidFill>
-                <a:schemeClr val="tx1"/>
+                <a:srgbClr val="FF0000"/>
               </a:solidFill>
               <a:sym typeface="+mn-ea"/>
             </a:endParaRPr>
@@ -9687,11 +9706,20 @@
                 </a:solidFill>
                 <a:sym typeface="+mn-ea"/>
               </a:rPr>
-              <a:t>        @ReadConfig(value = "userName")</a:t>
-            </a:r>
-            <a:endParaRPr lang="zh-CN" altLang="en-US" sz="1200">
+              <a:t>        </a:t>
+            </a:r>
+            <a:r>
+              <a:rPr lang="zh-CN" altLang="en-US" sz="1200" b="1">
+                <a:solidFill>
+                  <a:srgbClr val="FF0000"/>
+                </a:solidFill>
+                <a:sym typeface="+mn-ea"/>
+              </a:rPr>
+              <a:t>@ReadConfig(value = "userName")</a:t>
+            </a:r>
+            <a:endParaRPr lang="zh-CN" altLang="en-US" sz="1200" b="1">
               <a:solidFill>
-                <a:schemeClr val="tx1"/>
+                <a:srgbClr val="FF0000"/>
               </a:solidFill>
               <a:sym typeface="+mn-ea"/>
             </a:endParaRPr>
